--- a/202405_Copilot.pptx
+++ b/202405_Copilot.pptx
@@ -12496,7 +12496,7 @@
             </a:pPr>
             <a:r>
               <a:rPr lang="ca"/>
-              <a:t>El codi que tenia només deixava entrar números. Selecciono “get_user_input”, Command + I i li dic “</a:t>
+              <a:t>El codi que tenim només deixava entrar números. Selecciono “obtenir_entrada_usuari”, Command + I i li dic “</a:t>
             </a:r>
             <a:r>
               <a:rPr lang="ca"/>
@@ -12584,6 +12584,285 @@
 </file>
 
 <file path=ppt/theme/theme1.xml><?xml version="1.0" encoding="utf-8"?>
+<a:theme xmlns:a="http://schemas.openxmlformats.org/drawingml/2006/main" xmlns:r="http://schemas.openxmlformats.org/officeDocument/2006/relationships" name="Slate">
+  <a:themeElements>
+    <a:clrScheme name="Slate">
+      <a:dk1>
+        <a:srgbClr val="FFFFFF"/>
+      </a:dk1>
+      <a:lt1>
+        <a:srgbClr val="37474F"/>
+      </a:lt1>
+      <a:dk2>
+        <a:srgbClr val="9E9E9E"/>
+      </a:dk2>
+      <a:lt2>
+        <a:srgbClr val="E0E0E0"/>
+      </a:lt2>
+      <a:accent1>
+        <a:srgbClr val="616161"/>
+      </a:accent1>
+      <a:accent2>
+        <a:srgbClr val="78909C"/>
+      </a:accent2>
+      <a:accent3>
+        <a:srgbClr val="CACACA"/>
+      </a:accent3>
+      <a:accent4>
+        <a:srgbClr val="64FFDA"/>
+      </a:accent4>
+      <a:accent5>
+        <a:srgbClr val="FFD966"/>
+      </a:accent5>
+      <a:accent6>
+        <a:srgbClr val="F5F5F5"/>
+      </a:accent6>
+      <a:hlink>
+        <a:srgbClr val="FFD966"/>
+      </a:hlink>
+      <a:folHlink>
+        <a:srgbClr val="FFD966"/>
+      </a:folHlink>
+    </a:clrScheme>
+    <a:fontScheme name="Office">
+      <a:majorFont>
+        <a:latin typeface="Arial"/>
+        <a:ea typeface=""/>
+        <a:cs typeface=""/>
+        <a:font script="Jpan" typeface="ＭＳ Ｐゴシック"/>
+        <a:font script="Hang" typeface="맑은 고딕"/>
+        <a:font script="Hans" typeface="宋体"/>
+        <a:font script="Hant" typeface="新細明體"/>
+        <a:font script="Arab" typeface="Times New Roman"/>
+        <a:font script="Hebr" typeface="Times New Roman"/>
+        <a:font script="Thai" typeface="Angsana New"/>
+        <a:font script="Ethi" typeface="Nyala"/>
+        <a:font script="Beng" typeface="Vrinda"/>
+        <a:font script="Gujr" typeface="Shruti"/>
+        <a:font script="Khmr" typeface="MoolBoran"/>
+        <a:font script="Knda" typeface="Tunga"/>
+        <a:font script="Guru" typeface="Raavi"/>
+        <a:font script="Cans" typeface="Euphemia"/>
+        <a:font script="Cher" typeface="Plantagenet Cherokee"/>
+        <a:font script="Yiii" typeface="Microsoft Yi Baiti"/>
+        <a:font script="Tibt" typeface="Microsoft Himalaya"/>
+        <a:font script="Thaa" typeface="MV Boli"/>
+        <a:font script="Deva" typeface="Mangal"/>
+        <a:font script="Telu" typeface="Gautami"/>
+        <a:font script="Taml" typeface="Latha"/>
+        <a:font script="Syrc" typeface="Estrangelo Edessa"/>
+        <a:font script="Orya" typeface="Kalinga"/>
+        <a:font script="Mlym" typeface="Kartika"/>
+        <a:font script="Laoo" typeface="DokChampa"/>
+        <a:font script="Sinh" typeface="Iskoola Pota"/>
+        <a:font script="Mong" typeface="Mongolian Baiti"/>
+        <a:font script="Viet" typeface="Times New Roman"/>
+        <a:font script="Uigh" typeface="Microsoft Uighur"/>
+        <a:font script="Geor" typeface="Sylfaen"/>
+      </a:majorFont>
+      <a:minorFont>
+        <a:latin typeface="Arial"/>
+        <a:ea typeface=""/>
+        <a:cs typeface=""/>
+        <a:font script="Jpan" typeface="ＭＳ Ｐゴシック"/>
+        <a:font script="Hang" typeface="맑은 고딕"/>
+        <a:font script="Hans" typeface="宋体"/>
+        <a:font script="Hant" typeface="新細明體"/>
+        <a:font script="Arab" typeface="Arial"/>
+        <a:font script="Hebr" typeface="Arial"/>
+        <a:font script="Thai" typeface="Cordia New"/>
+        <a:font script="Ethi" typeface="Nyala"/>
+        <a:font script="Beng" typeface="Vrinda"/>
+        <a:font script="Gujr" typeface="Shruti"/>
+        <a:font script="Khmr" typeface="DaunPenh"/>
+        <a:font script="Knda" typeface="Tunga"/>
+        <a:font script="Guru" typeface="Raavi"/>
+        <a:font script="Cans" typeface="Euphemia"/>
+        <a:font script="Cher" typeface="Plantagenet Cherokee"/>
+        <a:font script="Yiii" typeface="Microsoft Yi Baiti"/>
+        <a:font script="Tibt" typeface="Microsoft Himalaya"/>
+        <a:font script="Thaa" typeface="MV Boli"/>
+        <a:font script="Deva" typeface="Mangal"/>
+        <a:font script="Telu" typeface="Gautami"/>
+        <a:font script="Taml" typeface="Latha"/>
+        <a:font script="Syrc" typeface="Estrangelo Edessa"/>
+        <a:font script="Orya" typeface="Kalinga"/>
+        <a:font script="Mlym" typeface="Kartika"/>
+        <a:font script="Laoo" typeface="DokChampa"/>
+        <a:font script="Sinh" typeface="Iskoola Pota"/>
+        <a:font script="Mong" typeface="Mongolian Baiti"/>
+        <a:font script="Viet" typeface="Arial"/>
+        <a:font script="Uigh" typeface="Microsoft Uighur"/>
+        <a:font script="Geor" typeface="Sylfaen"/>
+      </a:minorFont>
+    </a:fontScheme>
+    <a:fmtScheme name="Office">
+      <a:fillStyleLst>
+        <a:solidFill>
+          <a:schemeClr val="phClr"/>
+        </a:solidFill>
+        <a:gradFill rotWithShape="1">
+          <a:gsLst>
+            <a:gs pos="0">
+              <a:schemeClr val="phClr">
+                <a:tint val="50000"/>
+                <a:satMod val="300000"/>
+              </a:schemeClr>
+            </a:gs>
+            <a:gs pos="35000">
+              <a:schemeClr val="phClr">
+                <a:tint val="37000"/>
+                <a:satMod val="300000"/>
+              </a:schemeClr>
+            </a:gs>
+            <a:gs pos="100000">
+              <a:schemeClr val="phClr">
+                <a:tint val="15000"/>
+                <a:satMod val="350000"/>
+              </a:schemeClr>
+            </a:gs>
+          </a:gsLst>
+          <a:lin ang="16200000" scaled="1"/>
+        </a:gradFill>
+        <a:gradFill rotWithShape="1">
+          <a:gsLst>
+            <a:gs pos="0">
+              <a:schemeClr val="phClr">
+                <a:tint val="100000"/>
+                <a:shade val="100000"/>
+                <a:satMod val="130000"/>
+              </a:schemeClr>
+            </a:gs>
+            <a:gs pos="100000">
+              <a:schemeClr val="phClr">
+                <a:tint val="50000"/>
+                <a:shade val="100000"/>
+                <a:satMod val="350000"/>
+              </a:schemeClr>
+            </a:gs>
+          </a:gsLst>
+          <a:lin ang="16200000" scaled="0"/>
+        </a:gradFill>
+      </a:fillStyleLst>
+      <a:lnStyleLst>
+        <a:ln w="9525" cap="flat" cmpd="sng" algn="ctr">
+          <a:solidFill>
+            <a:schemeClr val="phClr">
+              <a:shade val="95000"/>
+              <a:satMod val="105000"/>
+            </a:schemeClr>
+          </a:solidFill>
+          <a:prstDash val="solid"/>
+        </a:ln>
+        <a:ln w="25400" cap="flat" cmpd="sng" algn="ctr">
+          <a:solidFill>
+            <a:schemeClr val="phClr"/>
+          </a:solidFill>
+          <a:prstDash val="solid"/>
+        </a:ln>
+        <a:ln w="38100" cap="flat" cmpd="sng" algn="ctr">
+          <a:solidFill>
+            <a:schemeClr val="phClr"/>
+          </a:solidFill>
+          <a:prstDash val="solid"/>
+        </a:ln>
+      </a:lnStyleLst>
+      <a:effectStyleLst>
+        <a:effectStyle>
+          <a:effectLst>
+            <a:outerShdw blurRad="40000" dist="20000" dir="5400000" rotWithShape="0">
+              <a:srgbClr val="000000">
+                <a:alpha val="38000"/>
+              </a:srgbClr>
+            </a:outerShdw>
+          </a:effectLst>
+        </a:effectStyle>
+        <a:effectStyle>
+          <a:effectLst>
+            <a:outerShdw blurRad="40000" dist="23000" dir="5400000" rotWithShape="0">
+              <a:srgbClr val="000000">
+                <a:alpha val="35000"/>
+              </a:srgbClr>
+            </a:outerShdw>
+          </a:effectLst>
+        </a:effectStyle>
+        <a:effectStyle>
+          <a:effectLst>
+            <a:outerShdw blurRad="40000" dist="23000" dir="5400000" rotWithShape="0">
+              <a:srgbClr val="000000">
+                <a:alpha val="35000"/>
+              </a:srgbClr>
+            </a:outerShdw>
+          </a:effectLst>
+          <a:scene3d>
+            <a:camera prst="orthographicFront">
+              <a:rot lat="0" lon="0" rev="0"/>
+            </a:camera>
+            <a:lightRig rig="threePt" dir="t">
+              <a:rot lat="0" lon="0" rev="1200000"/>
+            </a:lightRig>
+          </a:scene3d>
+          <a:sp3d>
+            <a:bevelT w="63500" h="25400"/>
+          </a:sp3d>
+        </a:effectStyle>
+      </a:effectStyleLst>
+      <a:bgFillStyleLst>
+        <a:solidFill>
+          <a:schemeClr val="phClr"/>
+        </a:solidFill>
+        <a:gradFill rotWithShape="1">
+          <a:gsLst>
+            <a:gs pos="0">
+              <a:schemeClr val="phClr">
+                <a:tint val="40000"/>
+                <a:satMod val="350000"/>
+              </a:schemeClr>
+            </a:gs>
+            <a:gs pos="40000">
+              <a:schemeClr val="phClr">
+                <a:tint val="45000"/>
+                <a:shade val="99000"/>
+                <a:satMod val="350000"/>
+              </a:schemeClr>
+            </a:gs>
+            <a:gs pos="100000">
+              <a:schemeClr val="phClr">
+                <a:shade val="20000"/>
+                <a:satMod val="255000"/>
+              </a:schemeClr>
+            </a:gs>
+          </a:gsLst>
+          <a:path path="circle">
+            <a:fillToRect l="50000" t="-80000" r="50000" b="180000"/>
+          </a:path>
+        </a:gradFill>
+        <a:gradFill rotWithShape="1">
+          <a:gsLst>
+            <a:gs pos="0">
+              <a:schemeClr val="phClr">
+                <a:tint val="80000"/>
+                <a:satMod val="300000"/>
+              </a:schemeClr>
+            </a:gs>
+            <a:gs pos="100000">
+              <a:schemeClr val="phClr">
+                <a:shade val="30000"/>
+                <a:satMod val="200000"/>
+              </a:schemeClr>
+            </a:gs>
+          </a:gsLst>
+          <a:path path="circle">
+            <a:fillToRect l="50000" t="50000" r="50000" b="50000"/>
+          </a:path>
+        </a:gradFill>
+      </a:bgFillStyleLst>
+    </a:fmtScheme>
+  </a:themeElements>
+</a:theme>
+</file>
+
+<file path=ppt/theme/theme2.xml><?xml version="1.0" encoding="utf-8"?>
 <a:theme xmlns:a="http://schemas.openxmlformats.org/drawingml/2006/main" xmlns:r="http://schemas.openxmlformats.org/officeDocument/2006/relationships">
   <a:themeElements>
     <a:clrScheme name="Default">
@@ -12860,283 +13139,4 @@
     </a:fmtScheme>
   </a:themeElements>
 </a:theme>
-</file>
-
-<file path=ppt/theme/theme2.xml><?xml version="1.0" encoding="utf-8"?>
-<a:theme xmlns:a="http://schemas.openxmlformats.org/drawingml/2006/main" xmlns:r="http://schemas.openxmlformats.org/officeDocument/2006/relationships" name="Slate">
-  <a:themeElements>
-    <a:clrScheme name="Slate">
-      <a:dk1>
-        <a:srgbClr val="FFFFFF"/>
-      </a:dk1>
-      <a:lt1>
-        <a:srgbClr val="37474F"/>
-      </a:lt1>
-      <a:dk2>
-        <a:srgbClr val="9E9E9E"/>
-      </a:dk2>
-      <a:lt2>
-        <a:srgbClr val="E0E0E0"/>
-      </a:lt2>
-      <a:accent1>
-        <a:srgbClr val="616161"/>
-      </a:accent1>
-      <a:accent2>
-        <a:srgbClr val="78909C"/>
-      </a:accent2>
-      <a:accent3>
-        <a:srgbClr val="CACACA"/>
-      </a:accent3>
-      <a:accent4>
-        <a:srgbClr val="64FFDA"/>
-      </a:accent4>
-      <a:accent5>
-        <a:srgbClr val="FFD966"/>
-      </a:accent5>
-      <a:accent6>
-        <a:srgbClr val="F5F5F5"/>
-      </a:accent6>
-      <a:hlink>
-        <a:srgbClr val="FFD966"/>
-      </a:hlink>
-      <a:folHlink>
-        <a:srgbClr val="FFD966"/>
-      </a:folHlink>
-    </a:clrScheme>
-    <a:fontScheme name="Office">
-      <a:majorFont>
-        <a:latin typeface="Arial"/>
-        <a:ea typeface=""/>
-        <a:cs typeface=""/>
-        <a:font script="Jpan" typeface="ＭＳ Ｐゴシック"/>
-        <a:font script="Hang" typeface="맑은 고딕"/>
-        <a:font script="Hans" typeface="宋体"/>
-        <a:font script="Hant" typeface="新細明體"/>
-        <a:font script="Arab" typeface="Times New Roman"/>
-        <a:font script="Hebr" typeface="Times New Roman"/>
-        <a:font script="Thai" typeface="Angsana New"/>
-        <a:font script="Ethi" typeface="Nyala"/>
-        <a:font script="Beng" typeface="Vrinda"/>
-        <a:font script="Gujr" typeface="Shruti"/>
-        <a:font script="Khmr" typeface="MoolBoran"/>
-        <a:font script="Knda" typeface="Tunga"/>
-        <a:font script="Guru" typeface="Raavi"/>
-        <a:font script="Cans" typeface="Euphemia"/>
-        <a:font script="Cher" typeface="Plantagenet Cherokee"/>
-        <a:font script="Yiii" typeface="Microsoft Yi Baiti"/>
-        <a:font script="Tibt" typeface="Microsoft Himalaya"/>
-        <a:font script="Thaa" typeface="MV Boli"/>
-        <a:font script="Deva" typeface="Mangal"/>
-        <a:font script="Telu" typeface="Gautami"/>
-        <a:font script="Taml" typeface="Latha"/>
-        <a:font script="Syrc" typeface="Estrangelo Edessa"/>
-        <a:font script="Orya" typeface="Kalinga"/>
-        <a:font script="Mlym" typeface="Kartika"/>
-        <a:font script="Laoo" typeface="DokChampa"/>
-        <a:font script="Sinh" typeface="Iskoola Pota"/>
-        <a:font script="Mong" typeface="Mongolian Baiti"/>
-        <a:font script="Viet" typeface="Times New Roman"/>
-        <a:font script="Uigh" typeface="Microsoft Uighur"/>
-        <a:font script="Geor" typeface="Sylfaen"/>
-      </a:majorFont>
-      <a:minorFont>
-        <a:latin typeface="Arial"/>
-        <a:ea typeface=""/>
-        <a:cs typeface=""/>
-        <a:font script="Jpan" typeface="ＭＳ Ｐゴシック"/>
-        <a:font script="Hang" typeface="맑은 고딕"/>
-        <a:font script="Hans" typeface="宋体"/>
-        <a:font script="Hant" typeface="新細明體"/>
-        <a:font script="Arab" typeface="Arial"/>
-        <a:font script="Hebr" typeface="Arial"/>
-        <a:font script="Thai" typeface="Cordia New"/>
-        <a:font script="Ethi" typeface="Nyala"/>
-        <a:font script="Beng" typeface="Vrinda"/>
-        <a:font script="Gujr" typeface="Shruti"/>
-        <a:font script="Khmr" typeface="DaunPenh"/>
-        <a:font script="Knda" typeface="Tunga"/>
-        <a:font script="Guru" typeface="Raavi"/>
-        <a:font script="Cans" typeface="Euphemia"/>
-        <a:font script="Cher" typeface="Plantagenet Cherokee"/>
-        <a:font script="Yiii" typeface="Microsoft Yi Baiti"/>
-        <a:font script="Tibt" typeface="Microsoft Himalaya"/>
-        <a:font script="Thaa" typeface="MV Boli"/>
-        <a:font script="Deva" typeface="Mangal"/>
-        <a:font script="Telu" typeface="Gautami"/>
-        <a:font script="Taml" typeface="Latha"/>
-        <a:font script="Syrc" typeface="Estrangelo Edessa"/>
-        <a:font script="Orya" typeface="Kalinga"/>
-        <a:font script="Mlym" typeface="Kartika"/>
-        <a:font script="Laoo" typeface="DokChampa"/>
-        <a:font script="Sinh" typeface="Iskoola Pota"/>
-        <a:font script="Mong" typeface="Mongolian Baiti"/>
-        <a:font script="Viet" typeface="Arial"/>
-        <a:font script="Uigh" typeface="Microsoft Uighur"/>
-        <a:font script="Geor" typeface="Sylfaen"/>
-      </a:minorFont>
-    </a:fontScheme>
-    <a:fmtScheme name="Office">
-      <a:fillStyleLst>
-        <a:solidFill>
-          <a:schemeClr val="phClr"/>
-        </a:solidFill>
-        <a:gradFill rotWithShape="1">
-          <a:gsLst>
-            <a:gs pos="0">
-              <a:schemeClr val="phClr">
-                <a:tint val="50000"/>
-                <a:satMod val="300000"/>
-              </a:schemeClr>
-            </a:gs>
-            <a:gs pos="35000">
-              <a:schemeClr val="phClr">
-                <a:tint val="37000"/>
-                <a:satMod val="300000"/>
-              </a:schemeClr>
-            </a:gs>
-            <a:gs pos="100000">
-              <a:schemeClr val="phClr">
-                <a:tint val="15000"/>
-                <a:satMod val="350000"/>
-              </a:schemeClr>
-            </a:gs>
-          </a:gsLst>
-          <a:lin ang="16200000" scaled="1"/>
-        </a:gradFill>
-        <a:gradFill rotWithShape="1">
-          <a:gsLst>
-            <a:gs pos="0">
-              <a:schemeClr val="phClr">
-                <a:tint val="100000"/>
-                <a:shade val="100000"/>
-                <a:satMod val="130000"/>
-              </a:schemeClr>
-            </a:gs>
-            <a:gs pos="100000">
-              <a:schemeClr val="phClr">
-                <a:tint val="50000"/>
-                <a:shade val="100000"/>
-                <a:satMod val="350000"/>
-              </a:schemeClr>
-            </a:gs>
-          </a:gsLst>
-          <a:lin ang="16200000" scaled="0"/>
-        </a:gradFill>
-      </a:fillStyleLst>
-      <a:lnStyleLst>
-        <a:ln w="9525" cap="flat" cmpd="sng" algn="ctr">
-          <a:solidFill>
-            <a:schemeClr val="phClr">
-              <a:shade val="95000"/>
-              <a:satMod val="105000"/>
-            </a:schemeClr>
-          </a:solidFill>
-          <a:prstDash val="solid"/>
-        </a:ln>
-        <a:ln w="25400" cap="flat" cmpd="sng" algn="ctr">
-          <a:solidFill>
-            <a:schemeClr val="phClr"/>
-          </a:solidFill>
-          <a:prstDash val="solid"/>
-        </a:ln>
-        <a:ln w="38100" cap="flat" cmpd="sng" algn="ctr">
-          <a:solidFill>
-            <a:schemeClr val="phClr"/>
-          </a:solidFill>
-          <a:prstDash val="solid"/>
-        </a:ln>
-      </a:lnStyleLst>
-      <a:effectStyleLst>
-        <a:effectStyle>
-          <a:effectLst>
-            <a:outerShdw blurRad="40000" dist="20000" dir="5400000" rotWithShape="0">
-              <a:srgbClr val="000000">
-                <a:alpha val="38000"/>
-              </a:srgbClr>
-            </a:outerShdw>
-          </a:effectLst>
-        </a:effectStyle>
-        <a:effectStyle>
-          <a:effectLst>
-            <a:outerShdw blurRad="40000" dist="23000" dir="5400000" rotWithShape="0">
-              <a:srgbClr val="000000">
-                <a:alpha val="35000"/>
-              </a:srgbClr>
-            </a:outerShdw>
-          </a:effectLst>
-        </a:effectStyle>
-        <a:effectStyle>
-          <a:effectLst>
-            <a:outerShdw blurRad="40000" dist="23000" dir="5400000" rotWithShape="0">
-              <a:srgbClr val="000000">
-                <a:alpha val="35000"/>
-              </a:srgbClr>
-            </a:outerShdw>
-          </a:effectLst>
-          <a:scene3d>
-            <a:camera prst="orthographicFront">
-              <a:rot lat="0" lon="0" rev="0"/>
-            </a:camera>
-            <a:lightRig rig="threePt" dir="t">
-              <a:rot lat="0" lon="0" rev="1200000"/>
-            </a:lightRig>
-          </a:scene3d>
-          <a:sp3d>
-            <a:bevelT w="63500" h="25400"/>
-          </a:sp3d>
-        </a:effectStyle>
-      </a:effectStyleLst>
-      <a:bgFillStyleLst>
-        <a:solidFill>
-          <a:schemeClr val="phClr"/>
-        </a:solidFill>
-        <a:gradFill rotWithShape="1">
-          <a:gsLst>
-            <a:gs pos="0">
-              <a:schemeClr val="phClr">
-                <a:tint val="40000"/>
-                <a:satMod val="350000"/>
-              </a:schemeClr>
-            </a:gs>
-            <a:gs pos="40000">
-              <a:schemeClr val="phClr">
-                <a:tint val="45000"/>
-                <a:shade val="99000"/>
-                <a:satMod val="350000"/>
-              </a:schemeClr>
-            </a:gs>
-            <a:gs pos="100000">
-              <a:schemeClr val="phClr">
-                <a:shade val="20000"/>
-                <a:satMod val="255000"/>
-              </a:schemeClr>
-            </a:gs>
-          </a:gsLst>
-          <a:path path="circle">
-            <a:fillToRect l="50000" t="-80000" r="50000" b="180000"/>
-          </a:path>
-        </a:gradFill>
-        <a:gradFill rotWithShape="1">
-          <a:gsLst>
-            <a:gs pos="0">
-              <a:schemeClr val="phClr">
-                <a:tint val="80000"/>
-                <a:satMod val="300000"/>
-              </a:schemeClr>
-            </a:gs>
-            <a:gs pos="100000">
-              <a:schemeClr val="phClr">
-                <a:shade val="30000"/>
-                <a:satMod val="200000"/>
-              </a:schemeClr>
-            </a:gs>
-          </a:gsLst>
-          <a:path path="circle">
-            <a:fillToRect l="50000" t="50000" r="50000" b="50000"/>
-          </a:path>
-        </a:gradFill>
-      </a:bgFillStyleLst>
-    </a:fmtScheme>
-  </a:themeElements>
-</a:theme>
 </file>
--- a/202405_Copilot.pptx
+++ b/202405_Copilot.pptx
@@ -33,18 +33,20 @@
     <p:sldId id="278" r:id="rId28"/>
     <p:sldId id="279" r:id="rId29"/>
     <p:sldId id="280" r:id="rId30"/>
+    <p:sldId id="281" r:id="rId31"/>
+    <p:sldId id="282" r:id="rId32"/>
   </p:sldIdLst>
   <p:sldSz cy="5143500" cx="9144000"/>
   <p:notesSz cx="6858000" cy="9144000"/>
   <p:embeddedFontLst>
     <p:embeddedFont>
       <p:font typeface="Average"/>
-      <p:regular r:id="rId31"/>
+      <p:regular r:id="rId33"/>
     </p:embeddedFont>
     <p:embeddedFont>
       <p:font typeface="Oswald"/>
-      <p:regular r:id="rId32"/>
-      <p:bold r:id="rId33"/>
+      <p:regular r:id="rId34"/>
+      <p:bold r:id="rId35"/>
     </p:embeddedFont>
   </p:embeddedFontLst>
   <p:defaultTextStyle>
@@ -1023,7 +1025,7 @@
   <p:cSld>
     <p:spTree>
       <p:nvGrpSpPr>
-        <p:cNvPr id="125" name="Shape 125"/>
+        <p:cNvPr id="126" name="Shape 126"/>
         <p:cNvGrpSpPr/>
         <p:nvPr/>
       </p:nvGrpSpPr>
@@ -1037,7 +1039,7 @@
       </p:grpSpPr>
       <p:sp>
         <p:nvSpPr>
-          <p:cNvPr id="126" name="Google Shape;126;g2e2b0a9e257_0_92:notes"/>
+          <p:cNvPr id="127" name="Google Shape;127;g2e2b0a9e257_0_92:notes"/>
           <p:cNvSpPr/>
           <p:nvPr>
             <p:ph idx="2" type="sldImg"/>
@@ -1072,7 +1074,7 @@
       </p:sp>
       <p:sp>
         <p:nvSpPr>
-          <p:cNvPr id="127" name="Google Shape;127;g2e2b0a9e257_0_92:notes"/>
+          <p:cNvPr id="128" name="Google Shape;128;g2e2b0a9e257_0_92:notes"/>
           <p:cNvSpPr txBox="1"/>
           <p:nvPr>
             <p:ph idx="1" type="body"/>
@@ -1122,7 +1124,7 @@
   <p:cSld>
     <p:spTree>
       <p:nvGrpSpPr>
-        <p:cNvPr id="131" name="Shape 131"/>
+        <p:cNvPr id="132" name="Shape 132"/>
         <p:cNvGrpSpPr/>
         <p:nvPr/>
       </p:nvGrpSpPr>
@@ -1136,7 +1138,7 @@
       </p:grpSpPr>
       <p:sp>
         <p:nvSpPr>
-          <p:cNvPr id="132" name="Google Shape;132;g2dc936d6723_0_34:notes"/>
+          <p:cNvPr id="133" name="Google Shape;133;g2dc936d6723_0_34:notes"/>
           <p:cNvSpPr/>
           <p:nvPr>
             <p:ph idx="2" type="sldImg"/>
@@ -1171,7 +1173,7 @@
       </p:sp>
       <p:sp>
         <p:nvSpPr>
-          <p:cNvPr id="133" name="Google Shape;133;g2dc936d6723_0_34:notes"/>
+          <p:cNvPr id="134" name="Google Shape;134;g2dc936d6723_0_34:notes"/>
           <p:cNvSpPr txBox="1"/>
           <p:nvPr>
             <p:ph idx="1" type="body"/>
@@ -1221,7 +1223,7 @@
   <p:cSld>
     <p:spTree>
       <p:nvGrpSpPr>
-        <p:cNvPr id="137" name="Shape 137"/>
+        <p:cNvPr id="138" name="Shape 138"/>
         <p:cNvGrpSpPr/>
         <p:nvPr/>
       </p:nvGrpSpPr>
@@ -1235,7 +1237,7 @@
       </p:grpSpPr>
       <p:sp>
         <p:nvSpPr>
-          <p:cNvPr id="138" name="Google Shape;138;g2e2b0a9e257_0_0:notes"/>
+          <p:cNvPr id="139" name="Google Shape;139;g2e2b0a9e257_0_0:notes"/>
           <p:cNvSpPr/>
           <p:nvPr>
             <p:ph idx="2" type="sldImg"/>
@@ -1270,7 +1272,7 @@
       </p:sp>
       <p:sp>
         <p:nvSpPr>
-          <p:cNvPr id="139" name="Google Shape;139;g2e2b0a9e257_0_0:notes"/>
+          <p:cNvPr id="140" name="Google Shape;140;g2e2b0a9e257_0_0:notes"/>
           <p:cNvSpPr txBox="1"/>
           <p:nvPr>
             <p:ph idx="1" type="body"/>
@@ -1320,7 +1322,7 @@
   <p:cSld>
     <p:spTree>
       <p:nvGrpSpPr>
-        <p:cNvPr id="143" name="Shape 143"/>
+        <p:cNvPr id="144" name="Shape 144"/>
         <p:cNvGrpSpPr/>
         <p:nvPr/>
       </p:nvGrpSpPr>
@@ -1334,7 +1336,7 @@
       </p:grpSpPr>
       <p:sp>
         <p:nvSpPr>
-          <p:cNvPr id="144" name="Google Shape;144;g2e2b0a9e257_0_6:notes"/>
+          <p:cNvPr id="145" name="Google Shape;145;g2e2b0a9e257_0_6:notes"/>
           <p:cNvSpPr/>
           <p:nvPr>
             <p:ph idx="2" type="sldImg"/>
@@ -1369,7 +1371,7 @@
       </p:sp>
       <p:sp>
         <p:nvSpPr>
-          <p:cNvPr id="145" name="Google Shape;145;g2e2b0a9e257_0_6:notes"/>
+          <p:cNvPr id="146" name="Google Shape;146;g2e2b0a9e257_0_6:notes"/>
           <p:cNvSpPr txBox="1"/>
           <p:nvPr>
             <p:ph idx="1" type="body"/>
@@ -1419,7 +1421,7 @@
   <p:cSld>
     <p:spTree>
       <p:nvGrpSpPr>
-        <p:cNvPr id="148" name="Shape 148"/>
+        <p:cNvPr id="149" name="Shape 149"/>
         <p:cNvGrpSpPr/>
         <p:nvPr/>
       </p:nvGrpSpPr>
@@ -1433,7 +1435,7 @@
       </p:grpSpPr>
       <p:sp>
         <p:nvSpPr>
-          <p:cNvPr id="149" name="Google Shape;149;g2e2b0a9e257_0_12:notes"/>
+          <p:cNvPr id="150" name="Google Shape;150;g2e2b0a9e257_0_12:notes"/>
           <p:cNvSpPr/>
           <p:nvPr>
             <p:ph idx="2" type="sldImg"/>
@@ -1468,7 +1470,7 @@
       </p:sp>
       <p:sp>
         <p:nvSpPr>
-          <p:cNvPr id="150" name="Google Shape;150;g2e2b0a9e257_0_12:notes"/>
+          <p:cNvPr id="151" name="Google Shape;151;g2e2b0a9e257_0_12:notes"/>
           <p:cNvSpPr txBox="1"/>
           <p:nvPr>
             <p:ph idx="1" type="body"/>
@@ -1518,7 +1520,7 @@
   <p:cSld>
     <p:spTree>
       <p:nvGrpSpPr>
-        <p:cNvPr id="153" name="Shape 153"/>
+        <p:cNvPr id="154" name="Shape 154"/>
         <p:cNvGrpSpPr/>
         <p:nvPr/>
       </p:nvGrpSpPr>
@@ -1532,7 +1534,7 @@
       </p:grpSpPr>
       <p:sp>
         <p:nvSpPr>
-          <p:cNvPr id="154" name="Google Shape;154;g2e2b0a9e257_0_18:notes"/>
+          <p:cNvPr id="155" name="Google Shape;155;g2e2b0a9e257_0_18:notes"/>
           <p:cNvSpPr/>
           <p:nvPr>
             <p:ph idx="2" type="sldImg"/>
@@ -1567,7 +1569,7 @@
       </p:sp>
       <p:sp>
         <p:nvSpPr>
-          <p:cNvPr id="155" name="Google Shape;155;g2e2b0a9e257_0_18:notes"/>
+          <p:cNvPr id="156" name="Google Shape;156;g2e2b0a9e257_0_18:notes"/>
           <p:cNvSpPr txBox="1"/>
           <p:nvPr>
             <p:ph idx="1" type="body"/>
@@ -1617,7 +1619,7 @@
   <p:cSld>
     <p:spTree>
       <p:nvGrpSpPr>
-        <p:cNvPr id="158" name="Shape 158"/>
+        <p:cNvPr id="159" name="Shape 159"/>
         <p:cNvGrpSpPr/>
         <p:nvPr/>
       </p:nvGrpSpPr>
@@ -1631,7 +1633,7 @@
       </p:grpSpPr>
       <p:sp>
         <p:nvSpPr>
-          <p:cNvPr id="159" name="Google Shape;159;g2e2b0a9e257_0_25:notes"/>
+          <p:cNvPr id="160" name="Google Shape;160;g2e2b0a9e257_0_25:notes"/>
           <p:cNvSpPr/>
           <p:nvPr>
             <p:ph idx="2" type="sldImg"/>
@@ -1666,7 +1668,7 @@
       </p:sp>
       <p:sp>
         <p:nvSpPr>
-          <p:cNvPr id="160" name="Google Shape;160;g2e2b0a9e257_0_25:notes"/>
+          <p:cNvPr id="161" name="Google Shape;161;g2e2b0a9e257_0_25:notes"/>
           <p:cNvSpPr txBox="1"/>
           <p:nvPr>
             <p:ph idx="1" type="body"/>
@@ -1716,7 +1718,7 @@
   <p:cSld>
     <p:spTree>
       <p:nvGrpSpPr>
-        <p:cNvPr id="163" name="Shape 163"/>
+        <p:cNvPr id="164" name="Shape 164"/>
         <p:cNvGrpSpPr/>
         <p:nvPr/>
       </p:nvGrpSpPr>
@@ -1730,7 +1732,7 @@
       </p:grpSpPr>
       <p:sp>
         <p:nvSpPr>
-          <p:cNvPr id="164" name="Google Shape;164;g2e2b0a9e257_0_33:notes"/>
+          <p:cNvPr id="165" name="Google Shape;165;g2e2b0a9e257_0_33:notes"/>
           <p:cNvSpPr/>
           <p:nvPr>
             <p:ph idx="2" type="sldImg"/>
@@ -1765,7 +1767,7 @@
       </p:sp>
       <p:sp>
         <p:nvSpPr>
-          <p:cNvPr id="165" name="Google Shape;165;g2e2b0a9e257_0_33:notes"/>
+          <p:cNvPr id="166" name="Google Shape;166;g2e2b0a9e257_0_33:notes"/>
           <p:cNvSpPr txBox="1"/>
           <p:nvPr>
             <p:ph idx="1" type="body"/>
@@ -1914,7 +1916,7 @@
   <p:cSld>
     <p:spTree>
       <p:nvGrpSpPr>
-        <p:cNvPr id="168" name="Shape 168"/>
+        <p:cNvPr id="169" name="Shape 169"/>
         <p:cNvGrpSpPr/>
         <p:nvPr/>
       </p:nvGrpSpPr>
@@ -1928,7 +1930,7 @@
       </p:grpSpPr>
       <p:sp>
         <p:nvSpPr>
-          <p:cNvPr id="169" name="Google Shape;169;g2e2b0a9e257_0_39:notes"/>
+          <p:cNvPr id="170" name="Google Shape;170;g2e2b0a9e257_0_39:notes"/>
           <p:cNvSpPr/>
           <p:nvPr>
             <p:ph idx="2" type="sldImg"/>
@@ -1963,7 +1965,7 @@
       </p:sp>
       <p:sp>
         <p:nvSpPr>
-          <p:cNvPr id="170" name="Google Shape;170;g2e2b0a9e257_0_39:notes"/>
+          <p:cNvPr id="171" name="Google Shape;171;g2e2b0a9e257_0_39:notes"/>
           <p:cNvSpPr txBox="1"/>
           <p:nvPr>
             <p:ph idx="1" type="body"/>
@@ -2013,7 +2015,7 @@
   <p:cSld>
     <p:spTree>
       <p:nvGrpSpPr>
-        <p:cNvPr id="173" name="Shape 173"/>
+        <p:cNvPr id="174" name="Shape 174"/>
         <p:cNvGrpSpPr/>
         <p:nvPr/>
       </p:nvGrpSpPr>
@@ -2027,7 +2029,7 @@
       </p:grpSpPr>
       <p:sp>
         <p:nvSpPr>
-          <p:cNvPr id="174" name="Google Shape;174;g2e2b0a9e257_0_45:notes"/>
+          <p:cNvPr id="175" name="Google Shape;175;g2e2b0a9e257_0_45:notes"/>
           <p:cNvSpPr/>
           <p:nvPr>
             <p:ph idx="2" type="sldImg"/>
@@ -2062,7 +2064,7 @@
       </p:sp>
       <p:sp>
         <p:nvSpPr>
-          <p:cNvPr id="175" name="Google Shape;175;g2e2b0a9e257_0_45:notes"/>
+          <p:cNvPr id="176" name="Google Shape;176;g2e2b0a9e257_0_45:notes"/>
           <p:cNvSpPr txBox="1"/>
           <p:nvPr>
             <p:ph idx="1" type="body"/>
@@ -2112,7 +2114,7 @@
   <p:cSld>
     <p:spTree>
       <p:nvGrpSpPr>
-        <p:cNvPr id="178" name="Shape 178"/>
+        <p:cNvPr id="179" name="Shape 179"/>
         <p:cNvGrpSpPr/>
         <p:nvPr/>
       </p:nvGrpSpPr>
@@ -2126,7 +2128,7 @@
       </p:grpSpPr>
       <p:sp>
         <p:nvSpPr>
-          <p:cNvPr id="179" name="Google Shape;179;g2e2b0a9e257_0_51:notes"/>
+          <p:cNvPr id="180" name="Google Shape;180;g2e2b0a9e257_0_51:notes"/>
           <p:cNvSpPr/>
           <p:nvPr>
             <p:ph idx="2" type="sldImg"/>
@@ -2161,7 +2163,7 @@
       </p:sp>
       <p:sp>
         <p:nvSpPr>
-          <p:cNvPr id="180" name="Google Shape;180;g2e2b0a9e257_0_51:notes"/>
+          <p:cNvPr id="181" name="Google Shape;181;g2e2b0a9e257_0_51:notes"/>
           <p:cNvSpPr txBox="1"/>
           <p:nvPr>
             <p:ph idx="1" type="body"/>
@@ -2211,7 +2213,7 @@
   <p:cSld>
     <p:spTree>
       <p:nvGrpSpPr>
-        <p:cNvPr id="183" name="Shape 183"/>
+        <p:cNvPr id="184" name="Shape 184"/>
         <p:cNvGrpSpPr/>
         <p:nvPr/>
       </p:nvGrpSpPr>
@@ -2225,7 +2227,7 @@
       </p:grpSpPr>
       <p:sp>
         <p:nvSpPr>
-          <p:cNvPr id="184" name="Google Shape;184;g2e2b0a9e257_0_57:notes"/>
+          <p:cNvPr id="185" name="Google Shape;185;g2e2b0a9e257_0_57:notes"/>
           <p:cNvSpPr/>
           <p:nvPr>
             <p:ph idx="2" type="sldImg"/>
@@ -2260,7 +2262,7 @@
       </p:sp>
       <p:sp>
         <p:nvSpPr>
-          <p:cNvPr id="185" name="Google Shape;185;g2e2b0a9e257_0_57:notes"/>
+          <p:cNvPr id="186" name="Google Shape;186;g2e2b0a9e257_0_57:notes"/>
           <p:cNvSpPr txBox="1"/>
           <p:nvPr>
             <p:ph idx="1" type="body"/>
@@ -2310,7 +2312,7 @@
   <p:cSld>
     <p:spTree>
       <p:nvGrpSpPr>
-        <p:cNvPr id="188" name="Shape 188"/>
+        <p:cNvPr id="189" name="Shape 189"/>
         <p:cNvGrpSpPr/>
         <p:nvPr/>
       </p:nvGrpSpPr>
@@ -2324,7 +2326,7 @@
       </p:grpSpPr>
       <p:sp>
         <p:nvSpPr>
-          <p:cNvPr id="189" name="Google Shape;189;g2e2b0a9e257_0_64:notes"/>
+          <p:cNvPr id="190" name="Google Shape;190;g2e2b0a9e257_0_64:notes"/>
           <p:cNvSpPr/>
           <p:nvPr>
             <p:ph idx="2" type="sldImg"/>
@@ -2359,7 +2361,7 @@
       </p:sp>
       <p:sp>
         <p:nvSpPr>
-          <p:cNvPr id="190" name="Google Shape;190;g2e2b0a9e257_0_64:notes"/>
+          <p:cNvPr id="191" name="Google Shape;191;g2e2b0a9e257_0_64:notes"/>
           <p:cNvSpPr txBox="1"/>
           <p:nvPr>
             <p:ph idx="1" type="body"/>
@@ -2409,7 +2411,7 @@
   <p:cSld>
     <p:spTree>
       <p:nvGrpSpPr>
-        <p:cNvPr id="193" name="Shape 193"/>
+        <p:cNvPr id="194" name="Shape 194"/>
         <p:cNvGrpSpPr/>
         <p:nvPr/>
       </p:nvGrpSpPr>
@@ -2423,7 +2425,7 @@
       </p:grpSpPr>
       <p:sp>
         <p:nvSpPr>
-          <p:cNvPr id="194" name="Google Shape;194;g2e2b0a9e257_0_76:notes"/>
+          <p:cNvPr id="195" name="Google Shape;195;g2e2b0a9e257_0_76:notes"/>
           <p:cNvSpPr/>
           <p:nvPr>
             <p:ph idx="2" type="sldImg"/>
@@ -2458,7 +2460,205 @@
       </p:sp>
       <p:sp>
         <p:nvSpPr>
-          <p:cNvPr id="195" name="Google Shape;195;g2e2b0a9e257_0_76:notes"/>
+          <p:cNvPr id="196" name="Google Shape;196;g2e2b0a9e257_0_76:notes"/>
+          <p:cNvSpPr txBox="1"/>
+          <p:nvPr>
+            <p:ph idx="1" type="body"/>
+          </p:nvPr>
+        </p:nvSpPr>
+        <p:spPr>
+          <a:xfrm>
+            <a:off x="685800" y="4343400"/>
+            <a:ext cx="5486400" cy="4114800"/>
+          </a:xfrm>
+          <a:prstGeom prst="rect">
+            <a:avLst/>
+          </a:prstGeom>
+        </p:spPr>
+        <p:txBody>
+          <a:bodyPr anchorCtr="0" anchor="t" bIns="91425" lIns="91425" spcFirstLastPara="1" rIns="91425" wrap="square" tIns="91425">
+            <a:noAutofit/>
+          </a:bodyPr>
+          <a:lstStyle/>
+          <a:p>
+            <a:pPr indent="0" lvl="0" marL="0" rtl="0" algn="l">
+              <a:spcBef>
+                <a:spcPts val="0"/>
+              </a:spcBef>
+              <a:spcAft>
+                <a:spcPts val="0"/>
+              </a:spcAft>
+              <a:buNone/>
+            </a:pPr>
+            <a:r>
+              <a:t/>
+            </a:r>
+            <a:endParaRPr/>
+          </a:p>
+        </p:txBody>
+      </p:sp>
+    </p:spTree>
+  </p:cSld>
+  <p:clrMapOvr>
+    <a:masterClrMapping/>
+  </p:clrMapOvr>
+</p:notes>
+</file>
+
+<file path=ppt/notesSlides/notesSlide26.xml><?xml version="1.0" encoding="utf-8"?>
+<p:notes xmlns:a="http://schemas.openxmlformats.org/drawingml/2006/main" xmlns:r="http://schemas.openxmlformats.org/officeDocument/2006/relationships" xmlns:mc="http://schemas.openxmlformats.org/markup-compatibility/2006" xmlns:mv="urn:schemas-microsoft-com:mac:vml" xmlns:p="http://schemas.openxmlformats.org/presentationml/2006/main" xmlns:c="http://schemas.openxmlformats.org/drawingml/2006/chart" xmlns:dgm="http://schemas.openxmlformats.org/drawingml/2006/diagram" xmlns:o="urn:schemas-microsoft-com:office:office" xmlns:v="urn:schemas-microsoft-com:vml" xmlns:pvml="urn:schemas-microsoft-com:office:powerpoint" xmlns:com="http://schemas.openxmlformats.org/drawingml/2006/compatibility" xmlns:p14="http://schemas.microsoft.com/office/powerpoint/2010/main" xmlns:p15="http://schemas.microsoft.com/office/powerpoint/2012/main" xmlns:ahyp="http://schemas.microsoft.com/office/drawing/2018/hyperlinkcolor" showMasterPhAnim="0" showMasterSp="0">
+  <p:cSld>
+    <p:spTree>
+      <p:nvGrpSpPr>
+        <p:cNvPr id="199" name="Shape 199"/>
+        <p:cNvGrpSpPr/>
+        <p:nvPr/>
+      </p:nvGrpSpPr>
+      <p:grpSpPr>
+        <a:xfrm>
+          <a:off x="0" y="0"/>
+          <a:ext cx="0" cy="0"/>
+          <a:chOff x="0" y="0"/>
+          <a:chExt cx="0" cy="0"/>
+        </a:xfrm>
+      </p:grpSpPr>
+      <p:sp>
+        <p:nvSpPr>
+          <p:cNvPr id="200" name="Google Shape;200;g2e54bfde86c_0_0:notes"/>
+          <p:cNvSpPr/>
+          <p:nvPr>
+            <p:ph idx="2" type="sldImg"/>
+          </p:nvPr>
+        </p:nvSpPr>
+        <p:spPr>
+          <a:xfrm>
+            <a:off x="381300" y="685800"/>
+            <a:ext cx="6096000" cy="3429000"/>
+          </a:xfrm>
+          <a:custGeom>
+            <a:rect b="b" l="l" r="r" t="t"/>
+            <a:pathLst>
+              <a:path extrusionOk="0" h="120000" w="120000">
+                <a:moveTo>
+                  <a:pt x="0" y="0"/>
+                </a:moveTo>
+                <a:lnTo>
+                  <a:pt x="120000" y="0"/>
+                </a:lnTo>
+                <a:lnTo>
+                  <a:pt x="120000" y="120000"/>
+                </a:lnTo>
+                <a:lnTo>
+                  <a:pt x="0" y="120000"/>
+                </a:lnTo>
+                <a:close/>
+              </a:path>
+            </a:pathLst>
+          </a:custGeom>
+        </p:spPr>
+      </p:sp>
+      <p:sp>
+        <p:nvSpPr>
+          <p:cNvPr id="201" name="Google Shape;201;g2e54bfde86c_0_0:notes"/>
+          <p:cNvSpPr txBox="1"/>
+          <p:nvPr>
+            <p:ph idx="1" type="body"/>
+          </p:nvPr>
+        </p:nvSpPr>
+        <p:spPr>
+          <a:xfrm>
+            <a:off x="685800" y="4343400"/>
+            <a:ext cx="5486400" cy="4114800"/>
+          </a:xfrm>
+          <a:prstGeom prst="rect">
+            <a:avLst/>
+          </a:prstGeom>
+        </p:spPr>
+        <p:txBody>
+          <a:bodyPr anchorCtr="0" anchor="t" bIns="91425" lIns="91425" spcFirstLastPara="1" rIns="91425" wrap="square" tIns="91425">
+            <a:noAutofit/>
+          </a:bodyPr>
+          <a:lstStyle/>
+          <a:p>
+            <a:pPr indent="0" lvl="0" marL="0" rtl="0" algn="l">
+              <a:spcBef>
+                <a:spcPts val="0"/>
+              </a:spcBef>
+              <a:spcAft>
+                <a:spcPts val="0"/>
+              </a:spcAft>
+              <a:buNone/>
+            </a:pPr>
+            <a:r>
+              <a:t/>
+            </a:r>
+            <a:endParaRPr/>
+          </a:p>
+        </p:txBody>
+      </p:sp>
+    </p:spTree>
+  </p:cSld>
+  <p:clrMapOvr>
+    <a:masterClrMapping/>
+  </p:clrMapOvr>
+</p:notes>
+</file>
+
+<file path=ppt/notesSlides/notesSlide27.xml><?xml version="1.0" encoding="utf-8"?>
+<p:notes xmlns:a="http://schemas.openxmlformats.org/drawingml/2006/main" xmlns:r="http://schemas.openxmlformats.org/officeDocument/2006/relationships" xmlns:mc="http://schemas.openxmlformats.org/markup-compatibility/2006" xmlns:mv="urn:schemas-microsoft-com:mac:vml" xmlns:p="http://schemas.openxmlformats.org/presentationml/2006/main" xmlns:c="http://schemas.openxmlformats.org/drawingml/2006/chart" xmlns:dgm="http://schemas.openxmlformats.org/drawingml/2006/diagram" xmlns:o="urn:schemas-microsoft-com:office:office" xmlns:v="urn:schemas-microsoft-com:vml" xmlns:pvml="urn:schemas-microsoft-com:office:powerpoint" xmlns:com="http://schemas.openxmlformats.org/drawingml/2006/compatibility" xmlns:p14="http://schemas.microsoft.com/office/powerpoint/2010/main" xmlns:p15="http://schemas.microsoft.com/office/powerpoint/2012/main" xmlns:ahyp="http://schemas.microsoft.com/office/drawing/2018/hyperlinkcolor" showMasterPhAnim="0" showMasterSp="0">
+  <p:cSld>
+    <p:spTree>
+      <p:nvGrpSpPr>
+        <p:cNvPr id="205" name="Shape 205"/>
+        <p:cNvGrpSpPr/>
+        <p:nvPr/>
+      </p:nvGrpSpPr>
+      <p:grpSpPr>
+        <a:xfrm>
+          <a:off x="0" y="0"/>
+          <a:ext cx="0" cy="0"/>
+          <a:chOff x="0" y="0"/>
+          <a:chExt cx="0" cy="0"/>
+        </a:xfrm>
+      </p:grpSpPr>
+      <p:sp>
+        <p:nvSpPr>
+          <p:cNvPr id="206" name="Google Shape;206;g2e54bfde86c_0_9:notes"/>
+          <p:cNvSpPr/>
+          <p:nvPr>
+            <p:ph idx="2" type="sldImg"/>
+          </p:nvPr>
+        </p:nvSpPr>
+        <p:spPr>
+          <a:xfrm>
+            <a:off x="381300" y="685800"/>
+            <a:ext cx="6096000" cy="3429000"/>
+          </a:xfrm>
+          <a:custGeom>
+            <a:rect b="b" l="l" r="r" t="t"/>
+            <a:pathLst>
+              <a:path extrusionOk="0" h="120000" w="120000">
+                <a:moveTo>
+                  <a:pt x="0" y="0"/>
+                </a:moveTo>
+                <a:lnTo>
+                  <a:pt x="120000" y="0"/>
+                </a:lnTo>
+                <a:lnTo>
+                  <a:pt x="120000" y="120000"/>
+                </a:lnTo>
+                <a:lnTo>
+                  <a:pt x="0" y="120000"/>
+                </a:lnTo>
+                <a:close/>
+              </a:path>
+            </a:pathLst>
+          </a:custGeom>
+        </p:spPr>
+      </p:sp>
+      <p:sp>
+        <p:nvSpPr>
+          <p:cNvPr id="207" name="Google Shape;207;g2e54bfde86c_0_9:notes"/>
           <p:cNvSpPr txBox="1"/>
           <p:nvPr>
             <p:ph idx="1" type="body"/>
@@ -8602,18 +8802,18 @@
         </p:spPr>
         <p:txBody>
           <a:bodyPr anchorCtr="0" anchor="t" bIns="91425" lIns="91425" spcFirstLastPara="1" rIns="91425" wrap="square" tIns="91425">
-            <a:normAutofit/>
+            <a:normAutofit fontScale="85000" lnSpcReduction="20000"/>
           </a:bodyPr>
           <a:lstStyle/>
           <a:p>
-            <a:pPr indent="-342900" lvl="0" marL="457200" rtl="0" algn="l">
-              <a:spcBef>
-                <a:spcPts val="0"/>
-              </a:spcBef>
-              <a:spcAft>
-                <a:spcPts val="0"/>
-              </a:spcAft>
-              <a:buSzPts val="1800"/>
+            <a:pPr indent="-325755" lvl="0" marL="457200" rtl="0" algn="l">
+              <a:spcBef>
+                <a:spcPts val="0"/>
+              </a:spcBef>
+              <a:spcAft>
+                <a:spcPts val="0"/>
+              </a:spcAft>
+              <a:buSzPct val="100000"/>
               <a:buChar char="-"/>
             </a:pPr>
             <a:r>
@@ -8623,14 +8823,14 @@
             <a:endParaRPr/>
           </a:p>
           <a:p>
-            <a:pPr indent="-342900" lvl="0" marL="457200" rtl="0" algn="l">
-              <a:spcBef>
-                <a:spcPts val="0"/>
-              </a:spcBef>
-              <a:spcAft>
-                <a:spcPts val="0"/>
-              </a:spcAft>
-              <a:buSzPts val="1800"/>
+            <a:pPr indent="-325755" lvl="0" marL="457200" rtl="0" algn="l">
+              <a:spcBef>
+                <a:spcPts val="0"/>
+              </a:spcBef>
+              <a:spcAft>
+                <a:spcPts val="0"/>
+              </a:spcAft>
+              <a:buSzPct val="100000"/>
               <a:buChar char="-"/>
             </a:pPr>
             <a:r>
@@ -8640,19 +8840,240 @@
             <a:endParaRPr/>
           </a:p>
           <a:p>
-            <a:pPr indent="-342900" lvl="0" marL="457200" rtl="0" algn="l">
-              <a:spcBef>
-                <a:spcPts val="0"/>
-              </a:spcBef>
-              <a:spcAft>
-                <a:spcPts val="0"/>
-              </a:spcAft>
-              <a:buSzPts val="1800"/>
+            <a:pPr indent="-325755" lvl="0" marL="457200" rtl="0" algn="l">
+              <a:spcBef>
+                <a:spcPts val="0"/>
+              </a:spcBef>
+              <a:spcAft>
+                <a:spcPts val="0"/>
+              </a:spcAft>
+              <a:buSzPct val="100000"/>
               <a:buChar char="-"/>
             </a:pPr>
             <a:r>
               <a:rPr lang="ca"/>
               <a:t>Tot el projecte</a:t>
+            </a:r>
+            <a:endParaRPr/>
+          </a:p>
+          <a:p>
+            <a:pPr indent="-325755" lvl="0" marL="457200" rtl="0" algn="l">
+              <a:spcBef>
+                <a:spcPts val="0"/>
+              </a:spcBef>
+              <a:spcAft>
+                <a:spcPts val="0"/>
+              </a:spcAft>
+              <a:buSzPct val="100000"/>
+              <a:buChar char="-"/>
+            </a:pPr>
+            <a:r>
+              <a:rPr lang="ca"/>
+              <a:t>Chat participants:</a:t>
+            </a:r>
+            <a:endParaRPr/>
+          </a:p>
+          <a:p>
+            <a:pPr indent="-304165" lvl="1" marL="914400" rtl="0" algn="l">
+              <a:spcBef>
+                <a:spcPts val="0"/>
+              </a:spcBef>
+              <a:spcAft>
+                <a:spcPts val="0"/>
+              </a:spcAft>
+              <a:buSzPct val="100000"/>
+              <a:buChar char="-"/>
+            </a:pPr>
+            <a:r>
+              <a:rPr lang="ca"/>
+              <a:t>@workspace</a:t>
+            </a:r>
+            <a:endParaRPr/>
+          </a:p>
+          <a:p>
+            <a:pPr indent="-304165" lvl="1" marL="914400" rtl="0" algn="l">
+              <a:spcBef>
+                <a:spcPts val="0"/>
+              </a:spcBef>
+              <a:spcAft>
+                <a:spcPts val="0"/>
+              </a:spcAft>
+              <a:buSzPct val="100000"/>
+              <a:buChar char="-"/>
+            </a:pPr>
+            <a:r>
+              <a:rPr lang="ca"/>
+              <a:t>@vscode</a:t>
+            </a:r>
+            <a:endParaRPr/>
+          </a:p>
+          <a:p>
+            <a:pPr indent="-304165" lvl="1" marL="914400" rtl="0" algn="l">
+              <a:spcBef>
+                <a:spcPts val="0"/>
+              </a:spcBef>
+              <a:spcAft>
+                <a:spcPts val="0"/>
+              </a:spcAft>
+              <a:buSzPct val="100000"/>
+              <a:buChar char="-"/>
+            </a:pPr>
+            <a:r>
+              <a:rPr lang="ca"/>
+              <a:t>@terminal</a:t>
+            </a:r>
+            <a:endParaRPr/>
+          </a:p>
+          <a:p>
+            <a:pPr indent="-325755" lvl="0" marL="457200" rtl="0" algn="l">
+              <a:spcBef>
+                <a:spcPts val="0"/>
+              </a:spcBef>
+              <a:spcAft>
+                <a:spcPts val="0"/>
+              </a:spcAft>
+              <a:buSzPct val="100000"/>
+              <a:buChar char="-"/>
+            </a:pPr>
+            <a:r>
+              <a:rPr lang="ca"/>
+              <a:t>Variables:</a:t>
+            </a:r>
+            <a:endParaRPr/>
+          </a:p>
+          <a:p>
+            <a:pPr indent="-304165" lvl="1" marL="914400" rtl="0" algn="l">
+              <a:spcBef>
+                <a:spcPts val="0"/>
+              </a:spcBef>
+              <a:spcAft>
+                <a:spcPts val="0"/>
+              </a:spcAft>
+              <a:buSzPct val="100000"/>
+              <a:buChar char="-"/>
+            </a:pPr>
+            <a:r>
+              <a:rPr lang="ca"/>
+              <a:t>#codebase</a:t>
+            </a:r>
+            <a:endParaRPr/>
+          </a:p>
+          <a:p>
+            <a:pPr indent="-304165" lvl="1" marL="914400" rtl="0" algn="l">
+              <a:spcBef>
+                <a:spcPts val="0"/>
+              </a:spcBef>
+              <a:spcAft>
+                <a:spcPts val="0"/>
+              </a:spcAft>
+              <a:buSzPct val="100000"/>
+              <a:buChar char="-"/>
+            </a:pPr>
+            <a:r>
+              <a:rPr lang="ca"/>
+              <a:t>#editor</a:t>
+            </a:r>
+            <a:endParaRPr/>
+          </a:p>
+          <a:p>
+            <a:pPr indent="-304165" lvl="1" marL="914400" rtl="0" algn="l">
+              <a:spcBef>
+                <a:spcPts val="0"/>
+              </a:spcBef>
+              <a:spcAft>
+                <a:spcPts val="0"/>
+              </a:spcAft>
+              <a:buSzPct val="100000"/>
+              <a:buChar char="-"/>
+            </a:pPr>
+            <a:r>
+              <a:rPr lang="ca"/>
+              <a:t>#file</a:t>
+            </a:r>
+            <a:endParaRPr/>
+          </a:p>
+          <a:p>
+            <a:pPr indent="-304165" lvl="1" marL="914400" rtl="0" algn="l">
+              <a:spcBef>
+                <a:spcPts val="0"/>
+              </a:spcBef>
+              <a:spcAft>
+                <a:spcPts val="0"/>
+              </a:spcAft>
+              <a:buSzPct val="100000"/>
+              <a:buChar char="-"/>
+            </a:pPr>
+            <a:r>
+              <a:rPr lang="ca"/>
+              <a:t>#git</a:t>
+            </a:r>
+            <a:endParaRPr/>
+          </a:p>
+          <a:p>
+            <a:pPr indent="-304165" lvl="1" marL="914400" rtl="0" algn="l">
+              <a:spcBef>
+                <a:spcPts val="0"/>
+              </a:spcBef>
+              <a:spcAft>
+                <a:spcPts val="0"/>
+              </a:spcAft>
+              <a:buSzPct val="100000"/>
+              <a:buChar char="-"/>
+            </a:pPr>
+            <a:r>
+              <a:rPr lang="ca"/>
+              <a:t>#selection</a:t>
+            </a:r>
+            <a:endParaRPr/>
+          </a:p>
+          <a:p>
+            <a:pPr indent="-304165" lvl="1" marL="914400" rtl="0" algn="l">
+              <a:spcBef>
+                <a:spcPts val="0"/>
+              </a:spcBef>
+              <a:spcAft>
+                <a:spcPts val="0"/>
+              </a:spcAft>
+              <a:buSzPct val="100000"/>
+              <a:buChar char="-"/>
+            </a:pPr>
+            <a:r>
+              <a:rPr lang="ca"/>
+              <a:t>#terminallastcomand</a:t>
+            </a:r>
+            <a:endParaRPr/>
+          </a:p>
+          <a:p>
+            <a:pPr indent="-304165" lvl="1" marL="914400" rtl="0" algn="l">
+              <a:spcBef>
+                <a:spcPts val="0"/>
+              </a:spcBef>
+              <a:spcAft>
+                <a:spcPts val="0"/>
+              </a:spcAft>
+              <a:buSzPct val="100000"/>
+              <a:buChar char="-"/>
+            </a:pPr>
+            <a:r>
+              <a:rPr lang="ca"/>
+              <a:t>#terminalSelection</a:t>
+            </a:r>
+            <a:endParaRPr/>
+          </a:p>
+          <a:p>
+            <a:pPr indent="-325755" lvl="0" marL="457200" rtl="0" algn="l">
+              <a:spcBef>
+                <a:spcPts val="0"/>
+              </a:spcBef>
+              <a:spcAft>
+                <a:spcPts val="0"/>
+              </a:spcAft>
+              <a:buSzPct val="100000"/>
+              <a:buChar char="-"/>
+            </a:pPr>
+            <a:r>
+              <a:rPr lang="ca"/>
+              <a:t>Attach</a:t>
             </a:r>
             <a:endParaRPr/>
           </a:p>
@@ -8759,8 +9180,8 @@
         </p:nvSpPr>
         <p:spPr>
           <a:xfrm>
-            <a:off x="311700" y="1152475"/>
-            <a:ext cx="8520600" cy="3416400"/>
+            <a:off x="311700" y="3591800"/>
+            <a:ext cx="8520600" cy="1217100"/>
           </a:xfrm>
           <a:prstGeom prst="rect">
             <a:avLst/>
@@ -8768,123 +9189,22 @@
         </p:spPr>
         <p:txBody>
           <a:bodyPr anchorCtr="0" anchor="t" bIns="91425" lIns="91425" spcFirstLastPara="1" rIns="91425" wrap="square" tIns="91425">
-            <a:normAutofit/>
+            <a:normAutofit fontScale="77500" lnSpcReduction="20000"/>
           </a:bodyPr>
           <a:lstStyle/>
           <a:p>
-            <a:pPr indent="-342900" lvl="0" marL="457200" rtl="0" algn="l">
-              <a:spcBef>
-                <a:spcPts val="0"/>
-              </a:spcBef>
-              <a:spcAft>
-                <a:spcPts val="0"/>
-              </a:spcAft>
-              <a:buSzPts val="1800"/>
-              <a:buChar char="-"/>
-            </a:pPr>
-            <a:r>
-              <a:rPr lang="ca"/>
-              <a:t>Contexte</a:t>
-            </a:r>
-            <a:endParaRPr/>
-          </a:p>
-          <a:p>
-            <a:pPr indent="-342900" lvl="0" marL="457200" rtl="0" algn="l">
-              <a:spcBef>
-                <a:spcPts val="0"/>
-              </a:spcBef>
-              <a:spcAft>
-                <a:spcPts val="0"/>
-              </a:spcAft>
-              <a:buSzPts val="1800"/>
-              <a:buChar char="-"/>
-            </a:pPr>
-            <a:r>
-              <a:rPr lang="ca"/>
-              <a:t>Intenció, objectiu</a:t>
-            </a:r>
-            <a:endParaRPr/>
-          </a:p>
-          <a:p>
-            <a:pPr indent="-342900" lvl="0" marL="457200" rtl="0" algn="l">
-              <a:spcBef>
-                <a:spcPts val="0"/>
-              </a:spcBef>
-              <a:spcAft>
-                <a:spcPts val="0"/>
-              </a:spcAft>
-              <a:buSzPts val="1800"/>
-              <a:buChar char="-"/>
-            </a:pPr>
-            <a:r>
-              <a:rPr lang="ca"/>
-              <a:t>S’ha de ser clar</a:t>
-            </a:r>
-            <a:endParaRPr/>
-          </a:p>
-          <a:p>
-            <a:pPr indent="-342900" lvl="0" marL="457200" rtl="0" algn="l">
-              <a:spcBef>
-                <a:spcPts val="0"/>
-              </a:spcBef>
-              <a:spcAft>
-                <a:spcPts val="0"/>
-              </a:spcAft>
-              <a:buSzPts val="1800"/>
-              <a:buChar char="-"/>
-            </a:pPr>
-            <a:r>
-              <a:rPr lang="ca"/>
-              <a:t>Específic, amb detall</a:t>
-            </a:r>
-            <a:endParaRPr/>
-          </a:p>
-          <a:p>
-            <a:pPr indent="-342900" lvl="0" marL="457200" rtl="0" algn="l">
-              <a:spcBef>
-                <a:spcPts val="0"/>
-              </a:spcBef>
-              <a:spcAft>
-                <a:spcPts val="0"/>
-              </a:spcAft>
-              <a:buSzPts val="1800"/>
-              <a:buChar char="-"/>
-            </a:pPr>
-            <a:r>
-              <a:rPr lang="ca"/>
-              <a:t>S’ha de ser flexible, si no surt a la primera, es fa un segon intent</a:t>
-            </a:r>
-            <a:endParaRPr/>
-          </a:p>
-          <a:p>
-            <a:pPr indent="-342900" lvl="0" marL="457200" rtl="0" algn="l">
-              <a:spcBef>
-                <a:spcPts val="0"/>
-              </a:spcBef>
-              <a:spcAft>
-                <a:spcPts val="0"/>
-              </a:spcAft>
-              <a:buSzPts val="1800"/>
-              <a:buChar char="-"/>
-            </a:pPr>
-            <a:r>
-              <a:rPr lang="ca"/>
-              <a:t>Si és possible donar exemples</a:t>
-            </a:r>
-            <a:endParaRPr/>
-          </a:p>
-          <a:p>
             <a:pPr indent="0" lvl="0" marL="0" rtl="0" algn="l">
               <a:spcBef>
-                <a:spcPts val="1200"/>
-              </a:spcBef>
-              <a:spcAft>
-                <a:spcPts val="0"/>
-              </a:spcAft>
-              <a:buNone/>
-            </a:pPr>
-            <a:r>
-              <a:t/>
+                <a:spcPts val="0"/>
+              </a:spcBef>
+              <a:spcAft>
+                <a:spcPts val="0"/>
+              </a:spcAft>
+              <a:buNone/>
+            </a:pPr>
+            <a:r>
+              <a:rPr lang="ca"/>
+              <a:t>La pregunta es fa en llenguatge natural, però se li pot enfocar el contexte amb @terminal, donar-li ordres amb /fix o indicar-li on pot trobar informació amb #selection</a:t>
             </a:r>
             <a:endParaRPr/>
           </a:p>
@@ -8906,6 +9226,34 @@
           </a:p>
         </p:txBody>
       </p:sp>
+      <p:pic>
+        <p:nvPicPr>
+          <p:cNvPr id="125" name="Google Shape;125;p23"/>
+          <p:cNvPicPr preferRelativeResize="0"/>
+          <p:nvPr/>
+        </p:nvPicPr>
+        <p:blipFill>
+          <a:blip r:embed="rId3">
+            <a:alphaModFix/>
+          </a:blip>
+          <a:stretch>
+            <a:fillRect/>
+          </a:stretch>
+        </p:blipFill>
+        <p:spPr>
+          <a:xfrm>
+            <a:off x="728350" y="975199"/>
+            <a:ext cx="7774451" cy="2575876"/>
+          </a:xfrm>
+          <a:prstGeom prst="rect">
+            <a:avLst/>
+          </a:prstGeom>
+          <a:noFill/>
+          <a:ln>
+            <a:noFill/>
+          </a:ln>
+        </p:spPr>
+      </p:pic>
     </p:spTree>
   </p:cSld>
   <p:clrMapOvr>
@@ -8919,7 +9267,7 @@
   <p:cSld>
     <p:spTree>
       <p:nvGrpSpPr>
-        <p:cNvPr id="128" name="Shape 128"/>
+        <p:cNvPr id="129" name="Shape 129"/>
         <p:cNvGrpSpPr/>
         <p:nvPr/>
       </p:nvGrpSpPr>
@@ -8933,7 +9281,7 @@
       </p:grpSpPr>
       <p:sp>
         <p:nvSpPr>
-          <p:cNvPr id="129" name="Google Shape;129;p24"/>
+          <p:cNvPr id="130" name="Google Shape;130;p24"/>
           <p:cNvSpPr txBox="1"/>
           <p:nvPr>
             <p:ph type="title"/>
@@ -8973,7 +9321,7 @@
       </p:sp>
       <p:sp>
         <p:nvSpPr>
-          <p:cNvPr id="130" name="Google Shape;130;p24"/>
+          <p:cNvPr id="131" name="Google Shape;131;p24"/>
           <p:cNvSpPr txBox="1"/>
           <p:nvPr>
             <p:ph idx="1" type="body"/>
@@ -9072,7 +9420,7 @@
   <p:cSld>
     <p:spTree>
       <p:nvGrpSpPr>
-        <p:cNvPr id="134" name="Shape 134"/>
+        <p:cNvPr id="135" name="Shape 135"/>
         <p:cNvGrpSpPr/>
         <p:nvPr/>
       </p:nvGrpSpPr>
@@ -9086,7 +9434,7 @@
       </p:grpSpPr>
       <p:sp>
         <p:nvSpPr>
-          <p:cNvPr id="135" name="Google Shape;135;p25"/>
+          <p:cNvPr id="136" name="Google Shape;136;p25"/>
           <p:cNvSpPr txBox="1"/>
           <p:nvPr>
             <p:ph type="title"/>
@@ -9126,7 +9474,7 @@
       </p:sp>
       <p:sp>
         <p:nvSpPr>
-          <p:cNvPr id="136" name="Google Shape;136;p25"/>
+          <p:cNvPr id="137" name="Google Shape;137;p25"/>
           <p:cNvSpPr txBox="1"/>
           <p:nvPr>
             <p:ph idx="1" type="body"/>
@@ -9209,7 +9557,7 @@
   <p:cSld>
     <p:spTree>
       <p:nvGrpSpPr>
-        <p:cNvPr id="140" name="Shape 140"/>
+        <p:cNvPr id="141" name="Shape 141"/>
         <p:cNvGrpSpPr/>
         <p:nvPr/>
       </p:nvGrpSpPr>
@@ -9223,7 +9571,7 @@
       </p:grpSpPr>
       <p:sp>
         <p:nvSpPr>
-          <p:cNvPr id="141" name="Google Shape;141;p26"/>
+          <p:cNvPr id="142" name="Google Shape;142;p26"/>
           <p:cNvSpPr txBox="1"/>
           <p:nvPr>
             <p:ph type="title"/>
@@ -9263,7 +9611,7 @@
       </p:sp>
       <p:sp>
         <p:nvSpPr>
-          <p:cNvPr id="142" name="Google Shape;142;p26"/>
+          <p:cNvPr id="143" name="Google Shape;143;p26"/>
           <p:cNvSpPr txBox="1"/>
           <p:nvPr>
             <p:ph idx="1" type="body"/>
@@ -9330,7 +9678,7 @@
   <p:cSld>
     <p:spTree>
       <p:nvGrpSpPr>
-        <p:cNvPr id="146" name="Shape 146"/>
+        <p:cNvPr id="147" name="Shape 147"/>
         <p:cNvGrpSpPr/>
         <p:nvPr/>
       </p:nvGrpSpPr>
@@ -9344,7 +9692,7 @@
       </p:grpSpPr>
       <p:sp>
         <p:nvSpPr>
-          <p:cNvPr id="147" name="Google Shape;147;p27"/>
+          <p:cNvPr id="148" name="Google Shape;148;p27"/>
           <p:cNvSpPr txBox="1"/>
           <p:nvPr>
             <p:ph idx="1" type="body"/>
@@ -9395,7 +9743,7 @@
   <p:cSld>
     <p:spTree>
       <p:nvGrpSpPr>
-        <p:cNvPr id="151" name="Shape 151"/>
+        <p:cNvPr id="152" name="Shape 152"/>
         <p:cNvGrpSpPr/>
         <p:nvPr/>
       </p:nvGrpSpPr>
@@ -9409,7 +9757,7 @@
       </p:grpSpPr>
       <p:sp>
         <p:nvSpPr>
-          <p:cNvPr id="152" name="Google Shape;152;p28"/>
+          <p:cNvPr id="153" name="Google Shape;153;p28"/>
           <p:cNvSpPr txBox="1"/>
           <p:nvPr>
             <p:ph idx="1" type="body"/>
@@ -9579,7 +9927,7 @@
   <p:cSld>
     <p:spTree>
       <p:nvGrpSpPr>
-        <p:cNvPr id="156" name="Shape 156"/>
+        <p:cNvPr id="157" name="Shape 157"/>
         <p:cNvGrpSpPr/>
         <p:nvPr/>
       </p:nvGrpSpPr>
@@ -9593,7 +9941,7 @@
       </p:grpSpPr>
       <p:sp>
         <p:nvSpPr>
-          <p:cNvPr id="157" name="Google Shape;157;p29"/>
+          <p:cNvPr id="158" name="Google Shape;158;p29"/>
           <p:cNvSpPr txBox="1"/>
           <p:nvPr>
             <p:ph idx="1" type="body"/>
@@ -9963,7 +10311,7 @@
   <p:cSld>
     <p:spTree>
       <p:nvGrpSpPr>
-        <p:cNvPr id="161" name="Shape 161"/>
+        <p:cNvPr id="162" name="Shape 162"/>
         <p:cNvGrpSpPr/>
         <p:nvPr/>
       </p:nvGrpSpPr>
@@ -9977,7 +10325,7 @@
       </p:grpSpPr>
       <p:sp>
         <p:nvSpPr>
-          <p:cNvPr id="162" name="Google Shape;162;p30"/>
+          <p:cNvPr id="163" name="Google Shape;163;p30"/>
           <p:cNvSpPr txBox="1"/>
           <p:nvPr>
             <p:ph idx="1" type="body"/>
@@ -10028,7 +10376,7 @@
   <p:cSld>
     <p:spTree>
       <p:nvGrpSpPr>
-        <p:cNvPr id="166" name="Shape 166"/>
+        <p:cNvPr id="167" name="Shape 167"/>
         <p:cNvGrpSpPr/>
         <p:nvPr/>
       </p:nvGrpSpPr>
@@ -10042,7 +10390,7 @@
       </p:grpSpPr>
       <p:sp>
         <p:nvSpPr>
-          <p:cNvPr id="167" name="Google Shape;167;p31"/>
+          <p:cNvPr id="168" name="Google Shape;168;p31"/>
           <p:cNvSpPr txBox="1"/>
           <p:nvPr>
             <p:ph idx="1" type="body"/>
@@ -10265,7 +10613,7 @@
   <p:cSld>
     <p:spTree>
       <p:nvGrpSpPr>
-        <p:cNvPr id="171" name="Shape 171"/>
+        <p:cNvPr id="172" name="Shape 172"/>
         <p:cNvGrpSpPr/>
         <p:nvPr/>
       </p:nvGrpSpPr>
@@ -10279,7 +10627,7 @@
       </p:grpSpPr>
       <p:sp>
         <p:nvSpPr>
-          <p:cNvPr id="172" name="Google Shape;172;p32"/>
+          <p:cNvPr id="173" name="Google Shape;173;p32"/>
           <p:cNvSpPr txBox="1"/>
           <p:nvPr>
             <p:ph idx="1" type="body"/>
@@ -10430,7 +10778,7 @@
   <p:cSld>
     <p:spTree>
       <p:nvGrpSpPr>
-        <p:cNvPr id="176" name="Shape 176"/>
+        <p:cNvPr id="177" name="Shape 177"/>
         <p:cNvGrpSpPr/>
         <p:nvPr/>
       </p:nvGrpSpPr>
@@ -10444,7 +10792,7 @@
       </p:grpSpPr>
       <p:sp>
         <p:nvSpPr>
-          <p:cNvPr id="177" name="Google Shape;177;p33"/>
+          <p:cNvPr id="178" name="Google Shape;178;p33"/>
           <p:cNvSpPr txBox="1"/>
           <p:nvPr>
             <p:ph idx="1" type="body"/>
@@ -10495,7 +10843,7 @@
   <p:cSld>
     <p:spTree>
       <p:nvGrpSpPr>
-        <p:cNvPr id="181" name="Shape 181"/>
+        <p:cNvPr id="182" name="Shape 182"/>
         <p:cNvGrpSpPr/>
         <p:nvPr/>
       </p:nvGrpSpPr>
@@ -10509,7 +10857,7 @@
       </p:grpSpPr>
       <p:sp>
         <p:nvSpPr>
-          <p:cNvPr id="182" name="Google Shape;182;p34"/>
+          <p:cNvPr id="183" name="Google Shape;183;p34"/>
           <p:cNvSpPr txBox="1"/>
           <p:nvPr>
             <p:ph idx="1" type="body"/>
@@ -10560,7 +10908,7 @@
   <p:cSld>
     <p:spTree>
       <p:nvGrpSpPr>
-        <p:cNvPr id="186" name="Shape 186"/>
+        <p:cNvPr id="187" name="Shape 187"/>
         <p:cNvGrpSpPr/>
         <p:nvPr/>
       </p:nvGrpSpPr>
@@ -10574,7 +10922,7 @@
       </p:grpSpPr>
       <p:sp>
         <p:nvSpPr>
-          <p:cNvPr id="187" name="Google Shape;187;p35"/>
+          <p:cNvPr id="188" name="Google Shape;188;p35"/>
           <p:cNvSpPr txBox="1"/>
           <p:nvPr>
             <p:ph idx="1" type="body"/>
@@ -10842,7 +11190,7 @@
   <p:cSld>
     <p:spTree>
       <p:nvGrpSpPr>
-        <p:cNvPr id="191" name="Shape 191"/>
+        <p:cNvPr id="192" name="Shape 192"/>
         <p:cNvGrpSpPr/>
         <p:nvPr/>
       </p:nvGrpSpPr>
@@ -10856,7 +11204,7 @@
       </p:grpSpPr>
       <p:sp>
         <p:nvSpPr>
-          <p:cNvPr id="192" name="Google Shape;192;p36"/>
+          <p:cNvPr id="193" name="Google Shape;193;p36"/>
           <p:cNvSpPr txBox="1"/>
           <p:nvPr>
             <p:ph idx="1" type="body"/>
@@ -11126,7 +11474,7 @@
   <p:cSld>
     <p:spTree>
       <p:nvGrpSpPr>
-        <p:cNvPr id="196" name="Shape 196"/>
+        <p:cNvPr id="197" name="Shape 197"/>
         <p:cNvGrpSpPr/>
         <p:nvPr/>
       </p:nvGrpSpPr>
@@ -11140,7 +11488,7 @@
       </p:grpSpPr>
       <p:sp>
         <p:nvSpPr>
-          <p:cNvPr id="197" name="Google Shape;197;p37"/>
+          <p:cNvPr id="198" name="Google Shape;198;p37"/>
           <p:cNvSpPr txBox="1"/>
           <p:nvPr>
             <p:ph idx="1" type="body"/>
@@ -11173,6 +11521,476 @@
             <a:r>
               <a:rPr lang="ca"/>
               <a:t>#Engega el programa</a:t>
+            </a:r>
+            <a:endParaRPr/>
+          </a:p>
+        </p:txBody>
+      </p:sp>
+    </p:spTree>
+  </p:cSld>
+  <p:clrMapOvr>
+    <a:masterClrMapping/>
+  </p:clrMapOvr>
+</p:sld>
+</file>
+
+<file path=ppt/slides/slide26.xml><?xml version="1.0" encoding="utf-8"?>
+<p:sld xmlns:a="http://schemas.openxmlformats.org/drawingml/2006/main" xmlns:r="http://schemas.openxmlformats.org/officeDocument/2006/relationships" xmlns:mc="http://schemas.openxmlformats.org/markup-compatibility/2006" xmlns:mv="urn:schemas-microsoft-com:mac:vml" xmlns:p="http://schemas.openxmlformats.org/presentationml/2006/main" xmlns:c="http://schemas.openxmlformats.org/drawingml/2006/chart" xmlns:dgm="http://schemas.openxmlformats.org/drawingml/2006/diagram" xmlns:o="urn:schemas-microsoft-com:office:office" xmlns:v="urn:schemas-microsoft-com:vml" xmlns:pvml="urn:schemas-microsoft-com:office:powerpoint" xmlns:com="http://schemas.openxmlformats.org/drawingml/2006/compatibility" xmlns:p14="http://schemas.microsoft.com/office/powerpoint/2010/main" xmlns:p15="http://schemas.microsoft.com/office/powerpoint/2012/main" xmlns:ahyp="http://schemas.microsoft.com/office/drawing/2018/hyperlinkcolor">
+  <p:cSld>
+    <p:spTree>
+      <p:nvGrpSpPr>
+        <p:cNvPr id="202" name="Shape 202"/>
+        <p:cNvGrpSpPr/>
+        <p:nvPr/>
+      </p:nvGrpSpPr>
+      <p:grpSpPr>
+        <a:xfrm>
+          <a:off x="0" y="0"/>
+          <a:ext cx="0" cy="0"/>
+          <a:chOff x="0" y="0"/>
+          <a:chExt cx="0" cy="0"/>
+        </a:xfrm>
+      </p:grpSpPr>
+      <p:sp>
+        <p:nvSpPr>
+          <p:cNvPr id="203" name="Google Shape;203;p38"/>
+          <p:cNvSpPr txBox="1"/>
+          <p:nvPr>
+            <p:ph type="title"/>
+          </p:nvPr>
+        </p:nvSpPr>
+        <p:spPr>
+          <a:xfrm>
+            <a:off x="311700" y="445025"/>
+            <a:ext cx="8520600" cy="572700"/>
+          </a:xfrm>
+          <a:prstGeom prst="rect">
+            <a:avLst/>
+          </a:prstGeom>
+        </p:spPr>
+        <p:txBody>
+          <a:bodyPr anchorCtr="0" anchor="t" bIns="91425" lIns="91425" spcFirstLastPara="1" rIns="91425" wrap="square" tIns="91425">
+            <a:normAutofit fontScale="90000"/>
+          </a:bodyPr>
+          <a:lstStyle/>
+          <a:p>
+            <a:pPr indent="0" lvl="0" marL="0" rtl="0" algn="l">
+              <a:spcBef>
+                <a:spcPts val="0"/>
+              </a:spcBef>
+              <a:spcAft>
+                <a:spcPts val="0"/>
+              </a:spcAft>
+              <a:buNone/>
+            </a:pPr>
+            <a:r>
+              <a:rPr lang="ca"/>
+              <a:t>Entendre</a:t>
+            </a:r>
+            <a:endParaRPr/>
+          </a:p>
+        </p:txBody>
+      </p:sp>
+      <p:sp>
+        <p:nvSpPr>
+          <p:cNvPr id="204" name="Google Shape;204;p38"/>
+          <p:cNvSpPr txBox="1"/>
+          <p:nvPr>
+            <p:ph idx="1" type="body"/>
+          </p:nvPr>
+        </p:nvSpPr>
+        <p:spPr>
+          <a:xfrm>
+            <a:off x="311700" y="1152475"/>
+            <a:ext cx="8520600" cy="3416400"/>
+          </a:xfrm>
+          <a:prstGeom prst="rect">
+            <a:avLst/>
+          </a:prstGeom>
+        </p:spPr>
+        <p:txBody>
+          <a:bodyPr anchorCtr="0" anchor="t" bIns="91425" lIns="91425" spcFirstLastPara="1" rIns="91425" wrap="square" tIns="91425">
+            <a:normAutofit/>
+          </a:bodyPr>
+          <a:lstStyle/>
+          <a:p>
+            <a:pPr indent="0" lvl="0" marL="0" rtl="0" algn="l">
+              <a:spcBef>
+                <a:spcPts val="0"/>
+              </a:spcBef>
+              <a:spcAft>
+                <a:spcPts val="0"/>
+              </a:spcAft>
+              <a:buNone/>
+            </a:pPr>
+            <a:r>
+              <a:rPr lang="ca" sz="1000">
+                <a:solidFill>
+                  <a:srgbClr val="E6E6E6"/>
+                </a:solidFill>
+                <a:highlight>
+                  <a:srgbClr val="404040"/>
+                </a:highlight>
+                <a:latin typeface="Consolas"/>
+                <a:ea typeface="Consolas"/>
+                <a:cs typeface="Consolas"/>
+                <a:sym typeface="Consolas"/>
+              </a:rPr>
+              <a:t>@workspace Explain this project</a:t>
+            </a:r>
+            <a:endParaRPr sz="1000">
+              <a:solidFill>
+                <a:srgbClr val="E6E6E6"/>
+              </a:solidFill>
+              <a:highlight>
+                <a:srgbClr val="404040"/>
+              </a:highlight>
+              <a:latin typeface="Consolas"/>
+              <a:ea typeface="Consolas"/>
+              <a:cs typeface="Consolas"/>
+              <a:sym typeface="Consolas"/>
+            </a:endParaRPr>
+          </a:p>
+          <a:p>
+            <a:pPr indent="0" lvl="0" marL="0" rtl="0" algn="l">
+              <a:spcBef>
+                <a:spcPts val="1200"/>
+              </a:spcBef>
+              <a:spcAft>
+                <a:spcPts val="0"/>
+              </a:spcAft>
+              <a:buNone/>
+            </a:pPr>
+            <a:r>
+              <a:rPr lang="ca" sz="1000">
+                <a:solidFill>
+                  <a:srgbClr val="E6E6E6"/>
+                </a:solidFill>
+                <a:highlight>
+                  <a:srgbClr val="404040"/>
+                </a:highlight>
+                <a:latin typeface="Consolas"/>
+                <a:ea typeface="Consolas"/>
+                <a:cs typeface="Consolas"/>
+                <a:sym typeface="Consolas"/>
+              </a:rPr>
+              <a:t>@workspace /explain Explain the dependencies of this project</a:t>
+            </a:r>
+            <a:endParaRPr sz="1000">
+              <a:solidFill>
+                <a:srgbClr val="E6E6E6"/>
+              </a:solidFill>
+              <a:highlight>
+                <a:srgbClr val="404040"/>
+              </a:highlight>
+              <a:latin typeface="Consolas"/>
+              <a:ea typeface="Consolas"/>
+              <a:cs typeface="Consolas"/>
+              <a:sym typeface="Consolas"/>
+            </a:endParaRPr>
+          </a:p>
+          <a:p>
+            <a:pPr indent="0" lvl="0" marL="0" rtl="0" algn="l">
+              <a:spcBef>
+                <a:spcPts val="1200"/>
+              </a:spcBef>
+              <a:spcAft>
+                <a:spcPts val="0"/>
+              </a:spcAft>
+              <a:buNone/>
+            </a:pPr>
+            <a:r>
+              <a:rPr lang="ca" sz="1000">
+                <a:solidFill>
+                  <a:srgbClr val="E6E6E6"/>
+                </a:solidFill>
+                <a:highlight>
+                  <a:srgbClr val="404040"/>
+                </a:highlight>
+                <a:latin typeface="Consolas"/>
+                <a:ea typeface="Consolas"/>
+                <a:cs typeface="Consolas"/>
+                <a:sym typeface="Consolas"/>
+              </a:rPr>
+              <a:t>@workspace /explain #file:joc_aventura_resolt.py Explain how this file is used in the project</a:t>
+            </a:r>
+            <a:endParaRPr sz="1000">
+              <a:solidFill>
+                <a:srgbClr val="E6E6E6"/>
+              </a:solidFill>
+              <a:highlight>
+                <a:srgbClr val="404040"/>
+              </a:highlight>
+              <a:latin typeface="Consolas"/>
+              <a:ea typeface="Consolas"/>
+              <a:cs typeface="Consolas"/>
+              <a:sym typeface="Consolas"/>
+            </a:endParaRPr>
+          </a:p>
+          <a:p>
+            <a:pPr indent="0" lvl="0" marL="0" rtl="0" algn="l">
+              <a:spcBef>
+                <a:spcPts val="1200"/>
+              </a:spcBef>
+              <a:spcAft>
+                <a:spcPts val="1200"/>
+              </a:spcAft>
+              <a:buNone/>
+            </a:pPr>
+            <a:r>
+              <a:rPr lang="ca" sz="1000">
+                <a:solidFill>
+                  <a:srgbClr val="E6E6E6"/>
+                </a:solidFill>
+                <a:highlight>
+                  <a:srgbClr val="404040"/>
+                </a:highlight>
+                <a:latin typeface="Consolas"/>
+                <a:ea typeface="Consolas"/>
+                <a:cs typeface="Consolas"/>
+                <a:sym typeface="Consolas"/>
+              </a:rPr>
+              <a:t>/explain #selection </a:t>
+            </a:r>
+            <a:endParaRPr sz="1000">
+              <a:solidFill>
+                <a:srgbClr val="E6E6E6"/>
+              </a:solidFill>
+              <a:highlight>
+                <a:srgbClr val="404040"/>
+              </a:highlight>
+              <a:latin typeface="Consolas"/>
+              <a:ea typeface="Consolas"/>
+              <a:cs typeface="Consolas"/>
+              <a:sym typeface="Consolas"/>
+            </a:endParaRPr>
+          </a:p>
+        </p:txBody>
+      </p:sp>
+    </p:spTree>
+  </p:cSld>
+  <p:clrMapOvr>
+    <a:masterClrMapping/>
+  </p:clrMapOvr>
+</p:sld>
+</file>
+
+<file path=ppt/slides/slide27.xml><?xml version="1.0" encoding="utf-8"?>
+<p:sld xmlns:a="http://schemas.openxmlformats.org/drawingml/2006/main" xmlns:r="http://schemas.openxmlformats.org/officeDocument/2006/relationships" xmlns:mc="http://schemas.openxmlformats.org/markup-compatibility/2006" xmlns:mv="urn:schemas-microsoft-com:mac:vml" xmlns:p="http://schemas.openxmlformats.org/presentationml/2006/main" xmlns:c="http://schemas.openxmlformats.org/drawingml/2006/chart" xmlns:dgm="http://schemas.openxmlformats.org/drawingml/2006/diagram" xmlns:o="urn:schemas-microsoft-com:office:office" xmlns:v="urn:schemas-microsoft-com:vml" xmlns:pvml="urn:schemas-microsoft-com:office:powerpoint" xmlns:com="http://schemas.openxmlformats.org/drawingml/2006/compatibility" xmlns:p14="http://schemas.microsoft.com/office/powerpoint/2010/main" xmlns:p15="http://schemas.microsoft.com/office/powerpoint/2012/main" xmlns:ahyp="http://schemas.microsoft.com/office/drawing/2018/hyperlinkcolor">
+  <p:cSld>
+    <p:spTree>
+      <p:nvGrpSpPr>
+        <p:cNvPr id="208" name="Shape 208"/>
+        <p:cNvGrpSpPr/>
+        <p:nvPr/>
+      </p:nvGrpSpPr>
+      <p:grpSpPr>
+        <a:xfrm>
+          <a:off x="0" y="0"/>
+          <a:ext cx="0" cy="0"/>
+          <a:chOff x="0" y="0"/>
+          <a:chExt cx="0" cy="0"/>
+        </a:xfrm>
+      </p:grpSpPr>
+      <p:sp>
+        <p:nvSpPr>
+          <p:cNvPr id="209" name="Google Shape;209;p39"/>
+          <p:cNvSpPr txBox="1"/>
+          <p:nvPr>
+            <p:ph type="title"/>
+          </p:nvPr>
+        </p:nvSpPr>
+        <p:spPr>
+          <a:xfrm>
+            <a:off x="311700" y="445025"/>
+            <a:ext cx="8520600" cy="572700"/>
+          </a:xfrm>
+          <a:prstGeom prst="rect">
+            <a:avLst/>
+          </a:prstGeom>
+        </p:spPr>
+        <p:txBody>
+          <a:bodyPr anchorCtr="0" anchor="t" bIns="91425" lIns="91425" spcFirstLastPara="1" rIns="91425" wrap="square" tIns="91425">
+            <a:normAutofit fontScale="90000"/>
+          </a:bodyPr>
+          <a:lstStyle/>
+          <a:p>
+            <a:pPr indent="0" lvl="0" marL="0" rtl="0" algn="l">
+              <a:spcBef>
+                <a:spcPts val="0"/>
+              </a:spcBef>
+              <a:spcAft>
+                <a:spcPts val="0"/>
+              </a:spcAft>
+              <a:buNone/>
+            </a:pPr>
+            <a:r>
+              <a:rPr lang="ca"/>
+              <a:t>Documentar</a:t>
+            </a:r>
+            <a:endParaRPr/>
+          </a:p>
+        </p:txBody>
+      </p:sp>
+      <p:sp>
+        <p:nvSpPr>
+          <p:cNvPr id="210" name="Google Shape;210;p39"/>
+          <p:cNvSpPr txBox="1"/>
+          <p:nvPr>
+            <p:ph idx="1" type="body"/>
+          </p:nvPr>
+        </p:nvSpPr>
+        <p:spPr>
+          <a:xfrm>
+            <a:off x="311700" y="1152475"/>
+            <a:ext cx="8520600" cy="3416400"/>
+          </a:xfrm>
+          <a:prstGeom prst="rect">
+            <a:avLst/>
+          </a:prstGeom>
+        </p:spPr>
+        <p:txBody>
+          <a:bodyPr anchorCtr="0" anchor="t" bIns="91425" lIns="91425" spcFirstLastPara="1" rIns="91425" wrap="square" tIns="91425">
+            <a:normAutofit/>
+          </a:bodyPr>
+          <a:lstStyle/>
+          <a:p>
+            <a:pPr indent="-342900" lvl="0" marL="457200" rtl="0" algn="l">
+              <a:spcBef>
+                <a:spcPts val="0"/>
+              </a:spcBef>
+              <a:spcAft>
+                <a:spcPts val="0"/>
+              </a:spcAft>
+              <a:buSzPts val="1800"/>
+              <a:buChar char="-"/>
+            </a:pPr>
+            <a:r>
+              <a:rPr lang="ca"/>
+              <a:t>Documentació interna</a:t>
+            </a:r>
+            <a:endParaRPr/>
+          </a:p>
+          <a:p>
+            <a:pPr indent="-317500" lvl="1" marL="914400" rtl="0" algn="l">
+              <a:spcBef>
+                <a:spcPts val="0"/>
+              </a:spcBef>
+              <a:spcAft>
+                <a:spcPts val="0"/>
+              </a:spcAft>
+              <a:buSzPts val="1400"/>
+              <a:buChar char="-"/>
+            </a:pPr>
+            <a:r>
+              <a:rPr lang="ca"/>
+              <a:t>/doc</a:t>
+            </a:r>
+            <a:endParaRPr/>
+          </a:p>
+          <a:p>
+            <a:pPr indent="-342900" lvl="0" marL="457200" rtl="0" algn="l">
+              <a:spcBef>
+                <a:spcPts val="0"/>
+              </a:spcBef>
+              <a:spcAft>
+                <a:spcPts val="0"/>
+              </a:spcAft>
+              <a:buSzPts val="1800"/>
+              <a:buChar char="-"/>
+            </a:pPr>
+            <a:r>
+              <a:rPr lang="ca"/>
+              <a:t>Documentació de projecte</a:t>
+            </a:r>
+            <a:endParaRPr/>
+          </a:p>
+          <a:p>
+            <a:pPr indent="-304800" lvl="1" marL="914400" rtl="0" algn="l">
+              <a:spcBef>
+                <a:spcPts val="0"/>
+              </a:spcBef>
+              <a:spcAft>
+                <a:spcPts val="0"/>
+              </a:spcAft>
+              <a:buClr>
+                <a:srgbClr val="E6E6E6"/>
+              </a:buClr>
+              <a:buSzPts val="1200"/>
+              <a:buFont typeface="Arial"/>
+              <a:buChar char="-"/>
+            </a:pPr>
+            <a:r>
+              <a:rPr lang="ca" sz="1000">
+                <a:solidFill>
+                  <a:srgbClr val="E6E6E6"/>
+                </a:solidFill>
+                <a:latin typeface="Consolas"/>
+                <a:ea typeface="Consolas"/>
+                <a:cs typeface="Consolas"/>
+                <a:sym typeface="Consolas"/>
+              </a:rPr>
+              <a:t>@workspace Genera un resum del projecte per explicar què fa</a:t>
+            </a:r>
+            <a:endParaRPr sz="1000">
+              <a:solidFill>
+                <a:srgbClr val="E6E6E6"/>
+              </a:solidFill>
+              <a:latin typeface="Consolas"/>
+              <a:ea typeface="Consolas"/>
+              <a:cs typeface="Consolas"/>
+              <a:sym typeface="Consolas"/>
+            </a:endParaRPr>
+          </a:p>
+          <a:p>
+            <a:pPr indent="-304800" lvl="1" marL="914400" rtl="0" algn="l">
+              <a:spcBef>
+                <a:spcPts val="0"/>
+              </a:spcBef>
+              <a:spcAft>
+                <a:spcPts val="0"/>
+              </a:spcAft>
+              <a:buClr>
+                <a:srgbClr val="E6E6E6"/>
+              </a:buClr>
+              <a:buSzPts val="1200"/>
+              <a:buFont typeface="Arial"/>
+              <a:buChar char="-"/>
+            </a:pPr>
+            <a:r>
+              <a:rPr lang="ca" sz="1000">
+                <a:solidFill>
+                  <a:srgbClr val="E6E6E6"/>
+                </a:solidFill>
+                <a:latin typeface="Consolas"/>
+                <a:ea typeface="Consolas"/>
+                <a:cs typeface="Consolas"/>
+                <a:sym typeface="Consolas"/>
+              </a:rPr>
+              <a:t>@workspace Generate a readme markdown document that can be used as a repo description</a:t>
+            </a:r>
+            <a:endParaRPr sz="1000">
+              <a:solidFill>
+                <a:srgbClr val="E6E6E6"/>
+              </a:solidFill>
+              <a:latin typeface="Consolas"/>
+              <a:ea typeface="Consolas"/>
+              <a:cs typeface="Consolas"/>
+              <a:sym typeface="Consolas"/>
+            </a:endParaRPr>
+          </a:p>
+          <a:p>
+            <a:pPr indent="0" lvl="0" marL="914400" rtl="0" algn="l">
+              <a:spcBef>
+                <a:spcPts val="1200"/>
+              </a:spcBef>
+              <a:spcAft>
+                <a:spcPts val="1200"/>
+              </a:spcAft>
+              <a:buNone/>
+            </a:pPr>
+            <a:r>
+              <a:t/>
             </a:r>
             <a:endParaRPr/>
           </a:p>
@@ -12377,6 +13195,21 @@
             <a:r>
               <a:rPr lang="ca"/>
               <a:t>Utilitzar Command + I amb el text seleccionat i executar /Fix.</a:t>
+            </a:r>
+            <a:endParaRPr/>
+          </a:p>
+          <a:p>
+            <a:pPr indent="0" lvl="0" marL="457200" rtl="0" algn="l">
+              <a:spcBef>
+                <a:spcPts val="1200"/>
+              </a:spcBef>
+              <a:spcAft>
+                <a:spcPts val="0"/>
+              </a:spcAft>
+              <a:buNone/>
+            </a:pPr>
+            <a:r>
+              <a:t/>
             </a:r>
             <a:endParaRPr/>
           </a:p>
